--- a/Prototipos/uso admin.pptx
+++ b/Prototipos/uso admin.pptx
@@ -28,10 +28,6 @@
     <p:sldId id="276" r:id="rId22"/>
     <p:sldId id="278" r:id="rId23"/>
     <p:sldId id="279" r:id="rId24"/>
-    <p:sldId id="281" r:id="rId25"/>
-    <p:sldId id="277" r:id="rId26"/>
-    <p:sldId id="282" r:id="rId27"/>
-    <p:sldId id="283" r:id="rId28"/>
   </p:sldIdLst>
   <p:sldSz cx="12192000" cy="6858000"/>
   <p:notesSz cx="6858000" cy="9144000"/>
@@ -285,7 +281,7 @@
           <a:p>
             <a:fld id="{0622553D-5E51-4159-A5CA-F0496246FC14}" type="datetimeFigureOut">
               <a:rPr lang="es-ES" smtClean="0"/>
-              <a:t>06/06/2018</a:t>
+              <a:t>07/06/2018</a:t>
             </a:fld>
             <a:endParaRPr lang="es-ES"/>
           </a:p>
@@ -483,7 +479,7 @@
           <a:p>
             <a:fld id="{0622553D-5E51-4159-A5CA-F0496246FC14}" type="datetimeFigureOut">
               <a:rPr lang="es-ES" smtClean="0"/>
-              <a:t>06/06/2018</a:t>
+              <a:t>07/06/2018</a:t>
             </a:fld>
             <a:endParaRPr lang="es-ES"/>
           </a:p>
@@ -691,7 +687,7 @@
           <a:p>
             <a:fld id="{0622553D-5E51-4159-A5CA-F0496246FC14}" type="datetimeFigureOut">
               <a:rPr lang="es-ES" smtClean="0"/>
-              <a:t>06/06/2018</a:t>
+              <a:t>07/06/2018</a:t>
             </a:fld>
             <a:endParaRPr lang="es-ES"/>
           </a:p>
@@ -889,7 +885,7 @@
           <a:p>
             <a:fld id="{0622553D-5E51-4159-A5CA-F0496246FC14}" type="datetimeFigureOut">
               <a:rPr lang="es-ES" smtClean="0"/>
-              <a:t>06/06/2018</a:t>
+              <a:t>07/06/2018</a:t>
             </a:fld>
             <a:endParaRPr lang="es-ES"/>
           </a:p>
@@ -1164,7 +1160,7 @@
           <a:p>
             <a:fld id="{0622553D-5E51-4159-A5CA-F0496246FC14}" type="datetimeFigureOut">
               <a:rPr lang="es-ES" smtClean="0"/>
-              <a:t>06/06/2018</a:t>
+              <a:t>07/06/2018</a:t>
             </a:fld>
             <a:endParaRPr lang="es-ES"/>
           </a:p>
@@ -1429,7 +1425,7 @@
           <a:p>
             <a:fld id="{0622553D-5E51-4159-A5CA-F0496246FC14}" type="datetimeFigureOut">
               <a:rPr lang="es-ES" smtClean="0"/>
-              <a:t>06/06/2018</a:t>
+              <a:t>07/06/2018</a:t>
             </a:fld>
             <a:endParaRPr lang="es-ES"/>
           </a:p>
@@ -1841,7 +1837,7 @@
           <a:p>
             <a:fld id="{0622553D-5E51-4159-A5CA-F0496246FC14}" type="datetimeFigureOut">
               <a:rPr lang="es-ES" smtClean="0"/>
-              <a:t>06/06/2018</a:t>
+              <a:t>07/06/2018</a:t>
             </a:fld>
             <a:endParaRPr lang="es-ES"/>
           </a:p>
@@ -1982,7 +1978,7 @@
           <a:p>
             <a:fld id="{0622553D-5E51-4159-A5CA-F0496246FC14}" type="datetimeFigureOut">
               <a:rPr lang="es-ES" smtClean="0"/>
-              <a:t>06/06/2018</a:t>
+              <a:t>07/06/2018</a:t>
             </a:fld>
             <a:endParaRPr lang="es-ES"/>
           </a:p>
@@ -2095,7 +2091,7 @@
           <a:p>
             <a:fld id="{0622553D-5E51-4159-A5CA-F0496246FC14}" type="datetimeFigureOut">
               <a:rPr lang="es-ES" smtClean="0"/>
-              <a:t>06/06/2018</a:t>
+              <a:t>07/06/2018</a:t>
             </a:fld>
             <a:endParaRPr lang="es-ES"/>
           </a:p>
@@ -2406,7 +2402,7 @@
           <a:p>
             <a:fld id="{0622553D-5E51-4159-A5CA-F0496246FC14}" type="datetimeFigureOut">
               <a:rPr lang="es-ES" smtClean="0"/>
-              <a:t>06/06/2018</a:t>
+              <a:t>07/06/2018</a:t>
             </a:fld>
             <a:endParaRPr lang="es-ES"/>
           </a:p>
@@ -2694,7 +2690,7 @@
           <a:p>
             <a:fld id="{0622553D-5E51-4159-A5CA-F0496246FC14}" type="datetimeFigureOut">
               <a:rPr lang="es-ES" smtClean="0"/>
-              <a:t>06/06/2018</a:t>
+              <a:t>07/06/2018</a:t>
             </a:fld>
             <a:endParaRPr lang="es-ES"/>
           </a:p>
@@ -2935,7 +2931,7 @@
           <a:p>
             <a:fld id="{0622553D-5E51-4159-A5CA-F0496246FC14}" type="datetimeFigureOut">
               <a:rPr lang="es-ES" smtClean="0"/>
-              <a:t>06/06/2018</a:t>
+              <a:t>07/06/2018</a:t>
             </a:fld>
             <a:endParaRPr lang="es-ES"/>
           </a:p>
@@ -4248,6 +4244,42 @@
           </a:p>
         </p:txBody>
       </p:sp>
+      <p:pic>
+        <p:nvPicPr>
+          <p:cNvPr id="19" name="Imagen 18">
+            <a:extLst>
+              <a:ext uri="{FF2B5EF4-FFF2-40B4-BE49-F238E27FC236}">
+                <a16:creationId xmlns:a16="http://schemas.microsoft.com/office/drawing/2014/main" id="{CC02C927-041C-49D9-9891-F40BBF68E459}"/>
+              </a:ext>
+            </a:extLst>
+          </p:cNvPr>
+          <p:cNvPicPr>
+            <a:picLocks noChangeAspect="1"/>
+          </p:cNvPicPr>
+          <p:nvPr/>
+        </p:nvPicPr>
+        <p:blipFill>
+          <a:blip r:embed="rId8">
+            <a:extLst>
+              <a:ext uri="{28A0092B-C50C-407E-A947-70E740481C1C}">
+                <a14:useLocalDpi xmlns:a14="http://schemas.microsoft.com/office/drawing/2010/main" val="0"/>
+              </a:ext>
+            </a:extLst>
+          </a:blip>
+          <a:stretch>
+            <a:fillRect/>
+          </a:stretch>
+        </p:blipFill>
+        <p:spPr>
+          <a:xfrm>
+            <a:off x="8203120" y="1051433"/>
+            <a:ext cx="1028789" cy="259102"/>
+          </a:xfrm>
+          <a:prstGeom prst="rect">
+            <a:avLst/>
+          </a:prstGeom>
+        </p:spPr>
+      </p:pic>
     </p:spTree>
     <p:extLst>
       <p:ext uri="{BB962C8B-B14F-4D97-AF65-F5344CB8AC3E}">
@@ -4880,6 +4912,42 @@
           </a:p>
         </p:txBody>
       </p:sp>
+      <p:pic>
+        <p:nvPicPr>
+          <p:cNvPr id="15" name="Imagen 14">
+            <a:extLst>
+              <a:ext uri="{FF2B5EF4-FFF2-40B4-BE49-F238E27FC236}">
+                <a16:creationId xmlns:a16="http://schemas.microsoft.com/office/drawing/2014/main" id="{8FBBD29E-E3F2-46E4-81F3-7EDFA7DB83A0}"/>
+              </a:ext>
+            </a:extLst>
+          </p:cNvPr>
+          <p:cNvPicPr>
+            <a:picLocks noChangeAspect="1"/>
+          </p:cNvPicPr>
+          <p:nvPr/>
+        </p:nvPicPr>
+        <p:blipFill>
+          <a:blip r:embed="rId11">
+            <a:extLst>
+              <a:ext uri="{28A0092B-C50C-407E-A947-70E740481C1C}">
+                <a14:useLocalDpi xmlns:a14="http://schemas.microsoft.com/office/drawing/2010/main" val="0"/>
+              </a:ext>
+            </a:extLst>
+          </a:blip>
+          <a:stretch>
+            <a:fillRect/>
+          </a:stretch>
+        </p:blipFill>
+        <p:spPr>
+          <a:xfrm>
+            <a:off x="8203120" y="1051433"/>
+            <a:ext cx="1028789" cy="259102"/>
+          </a:xfrm>
+          <a:prstGeom prst="rect">
+            <a:avLst/>
+          </a:prstGeom>
+        </p:spPr>
+      </p:pic>
     </p:spTree>
     <p:extLst>
       <p:ext uri="{BB962C8B-B14F-4D97-AF65-F5344CB8AC3E}">
@@ -6037,7 +6105,7 @@
       <p:sp>
         <p:nvSpPr>
           <p:cNvPr id="14" name="Rectángulo 13">
-            <a:hlinkClick r:id="rId9" action="ppaction://hlinksldjump"/>
+            <a:hlinkClick r:id="" action="ppaction://noaction"/>
             <a:extLst>
               <a:ext uri="{FF2B5EF4-FFF2-40B4-BE49-F238E27FC236}">
                 <a16:creationId xmlns:a16="http://schemas.microsoft.com/office/drawing/2014/main" id="{80FD5942-1A5A-4775-A160-D47E08DEE096}"/>
@@ -6092,7 +6160,7 @@
       <p:sp>
         <p:nvSpPr>
           <p:cNvPr id="15" name="Rectángulo 14">
-            <a:hlinkClick r:id="rId10" action="ppaction://hlinksldjump"/>
+            <a:hlinkClick r:id="rId9" action="ppaction://hlinksldjump"/>
             <a:extLst>
               <a:ext uri="{FF2B5EF4-FFF2-40B4-BE49-F238E27FC236}">
                 <a16:creationId xmlns:a16="http://schemas.microsoft.com/office/drawing/2014/main" id="{11B3FF70-120B-49C2-88A1-2C1C7A343509}"/>
@@ -6144,6 +6212,78 @@
           </a:p>
         </p:txBody>
       </p:sp>
+      <p:pic>
+        <p:nvPicPr>
+          <p:cNvPr id="16" name="Imagen 15">
+            <a:extLst>
+              <a:ext uri="{FF2B5EF4-FFF2-40B4-BE49-F238E27FC236}">
+                <a16:creationId xmlns:a16="http://schemas.microsoft.com/office/drawing/2014/main" id="{6184F43F-FB82-40BD-8BC6-15A5B5E5F8E5}"/>
+              </a:ext>
+            </a:extLst>
+          </p:cNvPr>
+          <p:cNvPicPr>
+            <a:picLocks noChangeAspect="1"/>
+          </p:cNvPicPr>
+          <p:nvPr/>
+        </p:nvPicPr>
+        <p:blipFill>
+          <a:blip r:embed="rId10">
+            <a:extLst>
+              <a:ext uri="{28A0092B-C50C-407E-A947-70E740481C1C}">
+                <a14:useLocalDpi xmlns:a14="http://schemas.microsoft.com/office/drawing/2010/main" val="0"/>
+              </a:ext>
+            </a:extLst>
+          </a:blip>
+          <a:stretch>
+            <a:fillRect/>
+          </a:stretch>
+        </p:blipFill>
+        <p:spPr>
+          <a:xfrm>
+            <a:off x="8203120" y="1051433"/>
+            <a:ext cx="1028789" cy="259102"/>
+          </a:xfrm>
+          <a:prstGeom prst="rect">
+            <a:avLst/>
+          </a:prstGeom>
+        </p:spPr>
+      </p:pic>
+      <p:pic>
+        <p:nvPicPr>
+          <p:cNvPr id="17" name="Imagen 16">
+            <a:extLst>
+              <a:ext uri="{FF2B5EF4-FFF2-40B4-BE49-F238E27FC236}">
+                <a16:creationId xmlns:a16="http://schemas.microsoft.com/office/drawing/2014/main" id="{A60C338D-9E94-4291-A123-EA141050EC9C}"/>
+              </a:ext>
+            </a:extLst>
+          </p:cNvPr>
+          <p:cNvPicPr>
+            <a:picLocks noChangeAspect="1"/>
+          </p:cNvPicPr>
+          <p:nvPr/>
+        </p:nvPicPr>
+        <p:blipFill>
+          <a:blip r:embed="rId11">
+            <a:extLst>
+              <a:ext uri="{28A0092B-C50C-407E-A947-70E740481C1C}">
+                <a14:useLocalDpi xmlns:a14="http://schemas.microsoft.com/office/drawing/2010/main" val="0"/>
+              </a:ext>
+            </a:extLst>
+          </a:blip>
+          <a:stretch>
+            <a:fillRect/>
+          </a:stretch>
+        </p:blipFill>
+        <p:spPr>
+          <a:xfrm>
+            <a:off x="8245025" y="1333862"/>
+            <a:ext cx="1028790" cy="382971"/>
+          </a:xfrm>
+          <a:prstGeom prst="rect">
+            <a:avLst/>
+          </a:prstGeom>
+        </p:spPr>
+      </p:pic>
     </p:spTree>
     <p:extLst>
       <p:ext uri="{BB962C8B-B14F-4D97-AF65-F5344CB8AC3E}">
@@ -6888,6 +7028,42 @@
           </a:p>
         </p:txBody>
       </p:sp>
+      <p:pic>
+        <p:nvPicPr>
+          <p:cNvPr id="15" name="Imagen 14">
+            <a:extLst>
+              <a:ext uri="{FF2B5EF4-FFF2-40B4-BE49-F238E27FC236}">
+                <a16:creationId xmlns:a16="http://schemas.microsoft.com/office/drawing/2014/main" id="{AE48AA8A-EF6C-444E-812D-B3CBE10E3583}"/>
+              </a:ext>
+            </a:extLst>
+          </p:cNvPr>
+          <p:cNvPicPr>
+            <a:picLocks noChangeAspect="1"/>
+          </p:cNvPicPr>
+          <p:nvPr/>
+        </p:nvPicPr>
+        <p:blipFill>
+          <a:blip r:embed="rId9">
+            <a:extLst>
+              <a:ext uri="{28A0092B-C50C-407E-A947-70E740481C1C}">
+                <a14:useLocalDpi xmlns:a14="http://schemas.microsoft.com/office/drawing/2010/main" val="0"/>
+              </a:ext>
+            </a:extLst>
+          </a:blip>
+          <a:stretch>
+            <a:fillRect/>
+          </a:stretch>
+        </p:blipFill>
+        <p:spPr>
+          <a:xfrm>
+            <a:off x="8203120" y="1051433"/>
+            <a:ext cx="1028789" cy="259102"/>
+          </a:xfrm>
+          <a:prstGeom prst="rect">
+            <a:avLst/>
+          </a:prstGeom>
+        </p:spPr>
+      </p:pic>
     </p:spTree>
     <p:extLst>
       <p:ext uri="{BB962C8B-B14F-4D97-AF65-F5344CB8AC3E}">
@@ -7666,6 +7842,42 @@
           </a:p>
         </p:txBody>
       </p:sp>
+      <p:pic>
+        <p:nvPicPr>
+          <p:cNvPr id="19" name="Imagen 18">
+            <a:extLst>
+              <a:ext uri="{FF2B5EF4-FFF2-40B4-BE49-F238E27FC236}">
+                <a16:creationId xmlns:a16="http://schemas.microsoft.com/office/drawing/2014/main" id="{4A274373-FCBA-484C-9E8B-EE69D1A03511}"/>
+              </a:ext>
+            </a:extLst>
+          </p:cNvPr>
+          <p:cNvPicPr>
+            <a:picLocks noChangeAspect="1"/>
+          </p:cNvPicPr>
+          <p:nvPr/>
+        </p:nvPicPr>
+        <p:blipFill>
+          <a:blip r:embed="rId14">
+            <a:extLst>
+              <a:ext uri="{28A0092B-C50C-407E-A947-70E740481C1C}">
+                <a14:useLocalDpi xmlns:a14="http://schemas.microsoft.com/office/drawing/2010/main" val="0"/>
+              </a:ext>
+            </a:extLst>
+          </a:blip>
+          <a:stretch>
+            <a:fillRect/>
+          </a:stretch>
+        </p:blipFill>
+        <p:spPr>
+          <a:xfrm>
+            <a:off x="8203120" y="1051433"/>
+            <a:ext cx="1028789" cy="259102"/>
+          </a:xfrm>
+          <a:prstGeom prst="rect">
+            <a:avLst/>
+          </a:prstGeom>
+        </p:spPr>
+      </p:pic>
     </p:spTree>
     <p:extLst>
       <p:ext uri="{BB962C8B-B14F-4D97-AF65-F5344CB8AC3E}">
@@ -8499,6 +8711,42 @@
           </a:p>
         </p:txBody>
       </p:sp>
+      <p:pic>
+        <p:nvPicPr>
+          <p:cNvPr id="20" name="Imagen 19">
+            <a:extLst>
+              <a:ext uri="{FF2B5EF4-FFF2-40B4-BE49-F238E27FC236}">
+                <a16:creationId xmlns:a16="http://schemas.microsoft.com/office/drawing/2014/main" id="{B18AFAD3-CF6C-4E56-9919-9E16F30669E1}"/>
+              </a:ext>
+            </a:extLst>
+          </p:cNvPr>
+          <p:cNvPicPr>
+            <a:picLocks noChangeAspect="1"/>
+          </p:cNvPicPr>
+          <p:nvPr/>
+        </p:nvPicPr>
+        <p:blipFill>
+          <a:blip r:embed="rId12">
+            <a:extLst>
+              <a:ext uri="{28A0092B-C50C-407E-A947-70E740481C1C}">
+                <a14:useLocalDpi xmlns:a14="http://schemas.microsoft.com/office/drawing/2010/main" val="0"/>
+              </a:ext>
+            </a:extLst>
+          </a:blip>
+          <a:stretch>
+            <a:fillRect/>
+          </a:stretch>
+        </p:blipFill>
+        <p:spPr>
+          <a:xfrm>
+            <a:off x="8203120" y="1051433"/>
+            <a:ext cx="1028789" cy="259102"/>
+          </a:xfrm>
+          <a:prstGeom prst="rect">
+            <a:avLst/>
+          </a:prstGeom>
+        </p:spPr>
+      </p:pic>
     </p:spTree>
     <p:extLst>
       <p:ext uri="{BB962C8B-B14F-4D97-AF65-F5344CB8AC3E}">
@@ -9332,6 +9580,42 @@
           </a:p>
         </p:txBody>
       </p:sp>
+      <p:pic>
+        <p:nvPicPr>
+          <p:cNvPr id="17" name="Imagen 16">
+            <a:extLst>
+              <a:ext uri="{FF2B5EF4-FFF2-40B4-BE49-F238E27FC236}">
+                <a16:creationId xmlns:a16="http://schemas.microsoft.com/office/drawing/2014/main" id="{CD7553F1-EC17-453C-B1C8-233184ACA28C}"/>
+              </a:ext>
+            </a:extLst>
+          </p:cNvPr>
+          <p:cNvPicPr>
+            <a:picLocks noChangeAspect="1"/>
+          </p:cNvPicPr>
+          <p:nvPr/>
+        </p:nvPicPr>
+        <p:blipFill>
+          <a:blip r:embed="rId13">
+            <a:extLst>
+              <a:ext uri="{28A0092B-C50C-407E-A947-70E740481C1C}">
+                <a14:useLocalDpi xmlns:a14="http://schemas.microsoft.com/office/drawing/2010/main" val="0"/>
+              </a:ext>
+            </a:extLst>
+          </a:blip>
+          <a:stretch>
+            <a:fillRect/>
+          </a:stretch>
+        </p:blipFill>
+        <p:spPr>
+          <a:xfrm>
+            <a:off x="8203120" y="1051433"/>
+            <a:ext cx="1028789" cy="259102"/>
+          </a:xfrm>
+          <a:prstGeom prst="rect">
+            <a:avLst/>
+          </a:prstGeom>
+        </p:spPr>
+      </p:pic>
     </p:spTree>
     <p:extLst>
       <p:ext uri="{BB962C8B-B14F-4D97-AF65-F5344CB8AC3E}">
@@ -9802,7 +10086,7 @@
       <p:sp>
         <p:nvSpPr>
           <p:cNvPr id="13" name="Rectángulo 12">
-            <a:hlinkClick r:id="rId9" action="ppaction://hlinksldjump"/>
+            <a:hlinkClick r:id="" action="ppaction://noaction"/>
             <a:extLst>
               <a:ext uri="{FF2B5EF4-FFF2-40B4-BE49-F238E27FC236}">
                 <a16:creationId xmlns:a16="http://schemas.microsoft.com/office/drawing/2014/main" id="{78D75FCC-5075-4E65-97DA-0742B4D008DA}"/>
@@ -9912,7 +10196,7 @@
       <p:sp>
         <p:nvSpPr>
           <p:cNvPr id="15" name="Rectángulo 14">
-            <a:hlinkClick r:id="rId10" action="ppaction://hlinksldjump"/>
+            <a:hlinkClick r:id="rId9" action="ppaction://hlinksldjump"/>
             <a:extLst>
               <a:ext uri="{FF2B5EF4-FFF2-40B4-BE49-F238E27FC236}">
                 <a16:creationId xmlns:a16="http://schemas.microsoft.com/office/drawing/2014/main" id="{6E4A59AC-1F46-4530-939C-27F1EC655A72}"/>
@@ -9979,7 +10263,7 @@
           <p:nvPr/>
         </p:nvPicPr>
         <p:blipFill>
-          <a:blip r:embed="rId11">
+          <a:blip r:embed="rId10">
             <a:extLst>
               <a:ext uri="{28A0092B-C50C-407E-A947-70E740481C1C}">
                 <a14:useLocalDpi xmlns:a14="http://schemas.microsoft.com/office/drawing/2010/main" val="0"/>
@@ -10058,7 +10342,7 @@
       <p:sp>
         <p:nvSpPr>
           <p:cNvPr id="18" name="Rectángulo 17">
-            <a:hlinkClick r:id="rId12" action="ppaction://hlinksldjump"/>
+            <a:hlinkClick r:id="rId11" action="ppaction://hlinksldjump"/>
             <a:extLst>
               <a:ext uri="{FF2B5EF4-FFF2-40B4-BE49-F238E27FC236}">
                 <a16:creationId xmlns:a16="http://schemas.microsoft.com/office/drawing/2014/main" id="{1434837D-9EA0-4F81-826E-56BFA4D2AD94}"/>
@@ -10110,6 +10394,42 @@
           </a:p>
         </p:txBody>
       </p:sp>
+      <p:pic>
+        <p:nvPicPr>
+          <p:cNvPr id="19" name="Imagen 18">
+            <a:extLst>
+              <a:ext uri="{FF2B5EF4-FFF2-40B4-BE49-F238E27FC236}">
+                <a16:creationId xmlns:a16="http://schemas.microsoft.com/office/drawing/2014/main" id="{BC8AB2FE-4C2E-40B3-A233-6E47BE3A1369}"/>
+              </a:ext>
+            </a:extLst>
+          </p:cNvPr>
+          <p:cNvPicPr>
+            <a:picLocks noChangeAspect="1"/>
+          </p:cNvPicPr>
+          <p:nvPr/>
+        </p:nvPicPr>
+        <p:blipFill>
+          <a:blip r:embed="rId12">
+            <a:extLst>
+              <a:ext uri="{28A0092B-C50C-407E-A947-70E740481C1C}">
+                <a14:useLocalDpi xmlns:a14="http://schemas.microsoft.com/office/drawing/2010/main" val="0"/>
+              </a:ext>
+            </a:extLst>
+          </a:blip>
+          <a:stretch>
+            <a:fillRect/>
+          </a:stretch>
+        </p:blipFill>
+        <p:spPr>
+          <a:xfrm>
+            <a:off x="8203120" y="1051433"/>
+            <a:ext cx="1028789" cy="259102"/>
+          </a:xfrm>
+          <a:prstGeom prst="rect">
+            <a:avLst/>
+          </a:prstGeom>
+        </p:spPr>
+      </p:pic>
     </p:spTree>
     <p:extLst>
       <p:ext uri="{BB962C8B-B14F-4D97-AF65-F5344CB8AC3E}">
@@ -11547,6 +11867,42 @@
           </a:p>
         </p:txBody>
       </p:sp>
+      <p:pic>
+        <p:nvPicPr>
+          <p:cNvPr id="16" name="Imagen 15">
+            <a:extLst>
+              <a:ext uri="{FF2B5EF4-FFF2-40B4-BE49-F238E27FC236}">
+                <a16:creationId xmlns:a16="http://schemas.microsoft.com/office/drawing/2014/main" id="{D25BDC1D-C87D-4D49-A2B2-A927B823CD52}"/>
+              </a:ext>
+            </a:extLst>
+          </p:cNvPr>
+          <p:cNvPicPr>
+            <a:picLocks noChangeAspect="1"/>
+          </p:cNvPicPr>
+          <p:nvPr/>
+        </p:nvPicPr>
+        <p:blipFill>
+          <a:blip r:embed="rId12">
+            <a:extLst>
+              <a:ext uri="{28A0092B-C50C-407E-A947-70E740481C1C}">
+                <a14:useLocalDpi xmlns:a14="http://schemas.microsoft.com/office/drawing/2010/main" val="0"/>
+              </a:ext>
+            </a:extLst>
+          </a:blip>
+          <a:stretch>
+            <a:fillRect/>
+          </a:stretch>
+        </p:blipFill>
+        <p:spPr>
+          <a:xfrm>
+            <a:off x="8203120" y="1051433"/>
+            <a:ext cx="1028789" cy="259102"/>
+          </a:xfrm>
+          <a:prstGeom prst="rect">
+            <a:avLst/>
+          </a:prstGeom>
+        </p:spPr>
+      </p:pic>
     </p:spTree>
     <p:extLst>
       <p:ext uri="{BB962C8B-B14F-4D97-AF65-F5344CB8AC3E}">
@@ -11632,7 +11988,7 @@
       <p:sp>
         <p:nvSpPr>
           <p:cNvPr id="5" name="Rectángulo 4">
-            <a:hlinkClick r:id="rId3" action="ppaction://hlinksldjump"/>
+            <a:hlinkClick r:id="" action="ppaction://noaction"/>
             <a:extLst>
               <a:ext uri="{FF2B5EF4-FFF2-40B4-BE49-F238E27FC236}">
                 <a16:creationId xmlns:a16="http://schemas.microsoft.com/office/drawing/2014/main" id="{FD677D05-56A7-4F41-81E9-F1931124E89E}"/>
@@ -11687,7 +12043,7 @@
       <p:sp>
         <p:nvSpPr>
           <p:cNvPr id="6" name="Rectángulo 5">
-            <a:hlinkClick r:id="rId4" action="ppaction://hlinksldjump"/>
+            <a:hlinkClick r:id="rId3" action="ppaction://hlinksldjump"/>
             <a:extLst>
               <a:ext uri="{FF2B5EF4-FFF2-40B4-BE49-F238E27FC236}">
                 <a16:creationId xmlns:a16="http://schemas.microsoft.com/office/drawing/2014/main" id="{93E0C3E5-F1F5-4B8A-B10F-6BEB2E1F0FB3}"/>
@@ -11742,7 +12098,7 @@
       <p:sp>
         <p:nvSpPr>
           <p:cNvPr id="7" name="Rectángulo 6">
-            <a:hlinkClick r:id="rId5" action="ppaction://hlinksldjump"/>
+            <a:hlinkClick r:id="rId4" action="ppaction://hlinksldjump"/>
             <a:extLst>
               <a:ext uri="{FF2B5EF4-FFF2-40B4-BE49-F238E27FC236}">
                 <a16:creationId xmlns:a16="http://schemas.microsoft.com/office/drawing/2014/main" id="{AF72B6E3-1E6A-4297-9E4A-4F74A13BC991}"/>
@@ -11797,7 +12153,7 @@
       <p:sp>
         <p:nvSpPr>
           <p:cNvPr id="8" name="Rectángulo 7">
-            <a:hlinkClick r:id="rId6" action="ppaction://hlinksldjump"/>
+            <a:hlinkClick r:id="rId5" action="ppaction://hlinksldjump"/>
             <a:extLst>
               <a:ext uri="{FF2B5EF4-FFF2-40B4-BE49-F238E27FC236}">
                 <a16:creationId xmlns:a16="http://schemas.microsoft.com/office/drawing/2014/main" id="{1AB8D1B7-59EF-463B-AF78-76A0D36678DB}"/>
@@ -11852,7 +12208,7 @@
       <p:sp>
         <p:nvSpPr>
           <p:cNvPr id="9" name="Rectángulo 8">
-            <a:hlinkClick r:id="rId7" action="ppaction://hlinksldjump"/>
+            <a:hlinkClick r:id="rId6" action="ppaction://hlinksldjump"/>
             <a:extLst>
               <a:ext uri="{FF2B5EF4-FFF2-40B4-BE49-F238E27FC236}">
                 <a16:creationId xmlns:a16="http://schemas.microsoft.com/office/drawing/2014/main" id="{274B5F3C-2D5C-43B3-8D80-45F954FA7449}"/>
@@ -11907,7 +12263,7 @@
       <p:sp>
         <p:nvSpPr>
           <p:cNvPr id="10" name="Rectángulo 9">
-            <a:hlinkClick r:id="rId6" action="ppaction://hlinksldjump"/>
+            <a:hlinkClick r:id="rId5" action="ppaction://hlinksldjump"/>
             <a:extLst>
               <a:ext uri="{FF2B5EF4-FFF2-40B4-BE49-F238E27FC236}">
                 <a16:creationId xmlns:a16="http://schemas.microsoft.com/office/drawing/2014/main" id="{C2ED49B6-AA78-446B-BFA2-0BBB5668EDA6}"/>
@@ -11962,7 +12318,7 @@
       <p:sp>
         <p:nvSpPr>
           <p:cNvPr id="11" name="Rectángulo 10">
-            <a:hlinkClick r:id="rId8" action="ppaction://hlinksldjump"/>
+            <a:hlinkClick r:id="rId7" action="ppaction://hlinksldjump"/>
             <a:extLst>
               <a:ext uri="{FF2B5EF4-FFF2-40B4-BE49-F238E27FC236}">
                 <a16:creationId xmlns:a16="http://schemas.microsoft.com/office/drawing/2014/main" id="{9C87BAA5-E3BA-4140-B34C-1F2BDE005F72}"/>
@@ -12017,7 +12373,7 @@
       <p:sp>
         <p:nvSpPr>
           <p:cNvPr id="12" name="Rectángulo 11">
-            <a:hlinkClick r:id="rId9" action="ppaction://hlinksldjump"/>
+            <a:hlinkClick r:id="rId8" action="ppaction://hlinksldjump"/>
             <a:extLst>
               <a:ext uri="{FF2B5EF4-FFF2-40B4-BE49-F238E27FC236}">
                 <a16:creationId xmlns:a16="http://schemas.microsoft.com/office/drawing/2014/main" id="{213633DA-00B7-4594-8FDA-4DD279CA2213}"/>
@@ -12072,7 +12428,7 @@
       <p:sp>
         <p:nvSpPr>
           <p:cNvPr id="14" name="Rectángulo 13">
-            <a:hlinkClick r:id="rId10" action="ppaction://hlinksldjump"/>
+            <a:hlinkClick r:id="rId9" action="ppaction://hlinksldjump"/>
             <a:extLst>
               <a:ext uri="{FF2B5EF4-FFF2-40B4-BE49-F238E27FC236}">
                 <a16:creationId xmlns:a16="http://schemas.microsoft.com/office/drawing/2014/main" id="{3A652A95-BD6E-4C76-BA92-624B4F33FB48}"/>
@@ -12127,7 +12483,7 @@
       <p:sp>
         <p:nvSpPr>
           <p:cNvPr id="15" name="Rectángulo 14">
-            <a:hlinkClick r:id="rId8" action="ppaction://hlinksldjump"/>
+            <a:hlinkClick r:id="rId7" action="ppaction://hlinksldjump"/>
             <a:extLst>
               <a:ext uri="{FF2B5EF4-FFF2-40B4-BE49-F238E27FC236}">
                 <a16:creationId xmlns:a16="http://schemas.microsoft.com/office/drawing/2014/main" id="{8B9ECF02-348D-4339-B20B-3FCDC26733E3}"/>
@@ -12182,7 +12538,7 @@
       <p:sp>
         <p:nvSpPr>
           <p:cNvPr id="16" name="Rectángulo 15">
-            <a:hlinkClick r:id="rId11" action="ppaction://hlinksldjump"/>
+            <a:hlinkClick r:id="rId10" action="ppaction://hlinksldjump"/>
             <a:extLst>
               <a:ext uri="{FF2B5EF4-FFF2-40B4-BE49-F238E27FC236}">
                 <a16:creationId xmlns:a16="http://schemas.microsoft.com/office/drawing/2014/main" id="{F91BCA40-9FFB-4301-8F75-BB1A09B16B95}"/>
@@ -12234,6 +12590,78 @@
           </a:p>
         </p:txBody>
       </p:sp>
+      <p:pic>
+        <p:nvPicPr>
+          <p:cNvPr id="17" name="Imagen 16">
+            <a:extLst>
+              <a:ext uri="{FF2B5EF4-FFF2-40B4-BE49-F238E27FC236}">
+                <a16:creationId xmlns:a16="http://schemas.microsoft.com/office/drawing/2014/main" id="{F0ACAD30-C192-435F-971B-448C6464F5F4}"/>
+              </a:ext>
+            </a:extLst>
+          </p:cNvPr>
+          <p:cNvPicPr>
+            <a:picLocks noChangeAspect="1"/>
+          </p:cNvPicPr>
+          <p:nvPr/>
+        </p:nvPicPr>
+        <p:blipFill>
+          <a:blip r:embed="rId11">
+            <a:extLst>
+              <a:ext uri="{28A0092B-C50C-407E-A947-70E740481C1C}">
+                <a14:useLocalDpi xmlns:a14="http://schemas.microsoft.com/office/drawing/2010/main" val="0"/>
+              </a:ext>
+            </a:extLst>
+          </a:blip>
+          <a:stretch>
+            <a:fillRect/>
+          </a:stretch>
+        </p:blipFill>
+        <p:spPr>
+          <a:xfrm>
+            <a:off x="8203120" y="1051433"/>
+            <a:ext cx="1028789" cy="259102"/>
+          </a:xfrm>
+          <a:prstGeom prst="rect">
+            <a:avLst/>
+          </a:prstGeom>
+        </p:spPr>
+      </p:pic>
+      <p:pic>
+        <p:nvPicPr>
+          <p:cNvPr id="18" name="Imagen 17">
+            <a:extLst>
+              <a:ext uri="{FF2B5EF4-FFF2-40B4-BE49-F238E27FC236}">
+                <a16:creationId xmlns:a16="http://schemas.microsoft.com/office/drawing/2014/main" id="{5DBB77E7-6BBE-4F7B-B348-BDCC8C02E29B}"/>
+              </a:ext>
+            </a:extLst>
+          </p:cNvPr>
+          <p:cNvPicPr>
+            <a:picLocks noChangeAspect="1"/>
+          </p:cNvPicPr>
+          <p:nvPr/>
+        </p:nvPicPr>
+        <p:blipFill>
+          <a:blip r:embed="rId12">
+            <a:extLst>
+              <a:ext uri="{28A0092B-C50C-407E-A947-70E740481C1C}">
+                <a14:useLocalDpi xmlns:a14="http://schemas.microsoft.com/office/drawing/2010/main" val="0"/>
+              </a:ext>
+            </a:extLst>
+          </a:blip>
+          <a:stretch>
+            <a:fillRect/>
+          </a:stretch>
+        </p:blipFill>
+        <p:spPr>
+          <a:xfrm>
+            <a:off x="8245025" y="1333862"/>
+            <a:ext cx="1028790" cy="382971"/>
+          </a:xfrm>
+          <a:prstGeom prst="rect">
+            <a:avLst/>
+          </a:prstGeom>
+        </p:spPr>
+      </p:pic>
     </p:spTree>
     <p:extLst>
       <p:ext uri="{BB962C8B-B14F-4D97-AF65-F5344CB8AC3E}">
@@ -13443,58 +13871,12 @@
           </a:p>
         </p:txBody>
       </p:sp>
-    </p:spTree>
-    <p:extLst>
-      <p:ext uri="{BB962C8B-B14F-4D97-AF65-F5344CB8AC3E}">
-        <p14:creationId xmlns:p14="http://schemas.microsoft.com/office/powerpoint/2010/main" val="1752143681"/>
-      </p:ext>
-    </p:extLst>
-  </p:cSld>
-  <p:clrMapOvr>
-    <a:masterClrMapping/>
-  </p:clrMapOvr>
-  <mc:AlternateContent xmlns:mc="http://schemas.openxmlformats.org/markup-compatibility/2006" xmlns:p14="http://schemas.microsoft.com/office/powerpoint/2010/main">
-    <mc:Choice Requires="p14">
-      <p:transition spd="slow" p14:dur="2000" advClick="0"/>
-    </mc:Choice>
-    <mc:Fallback xmlns="">
-      <p:transition spd="slow" advClick="0"/>
-    </mc:Fallback>
-  </mc:AlternateContent>
-</p:sld>
-</file>
-
-<file path=ppt/slides/slide24.xml><?xml version="1.0" encoding="utf-8"?>
-<p:sld xmlns:a="http://schemas.openxmlformats.org/drawingml/2006/main" xmlns:r="http://schemas.openxmlformats.org/officeDocument/2006/relationships" xmlns:p="http://schemas.openxmlformats.org/presentationml/2006/main">
-  <p:cSld>
-    <p:bg>
-      <p:bgPr>
-        <a:solidFill>
-          <a:srgbClr val="002060"/>
-        </a:solidFill>
-        <a:effectLst/>
-      </p:bgPr>
-    </p:bg>
-    <p:spTree>
-      <p:nvGrpSpPr>
-        <p:cNvPr id="1" name=""/>
-        <p:cNvGrpSpPr/>
-        <p:nvPr/>
-      </p:nvGrpSpPr>
-      <p:grpSpPr>
-        <a:xfrm>
-          <a:off x="0" y="0"/>
-          <a:ext cx="0" cy="0"/>
-          <a:chOff x="0" y="0"/>
-          <a:chExt cx="0" cy="0"/>
-        </a:xfrm>
-      </p:grpSpPr>
       <p:pic>
         <p:nvPicPr>
-          <p:cNvPr id="3" name="Imagen 2">
-            <a:extLst>
-              <a:ext uri="{FF2B5EF4-FFF2-40B4-BE49-F238E27FC236}">
-                <a16:creationId xmlns:a16="http://schemas.microsoft.com/office/drawing/2014/main" id="{E309E527-4038-4393-ACE7-1DC9E26D43B2}"/>
+          <p:cNvPr id="12" name="Imagen 11">
+            <a:extLst>
+              <a:ext uri="{FF2B5EF4-FFF2-40B4-BE49-F238E27FC236}">
+                <a16:creationId xmlns:a16="http://schemas.microsoft.com/office/drawing/2014/main" id="{CF393663-971C-4C50-A3FE-7668462A305D}"/>
               </a:ext>
             </a:extLst>
           </p:cNvPr>
@@ -13504,7 +13886,7 @@
           <p:nvPr/>
         </p:nvPicPr>
         <p:blipFill>
-          <a:blip r:embed="rId2">
+          <a:blip r:embed="rId11">
             <a:extLst>
               <a:ext uri="{28A0092B-C50C-407E-A947-70E740481C1C}">
                 <a14:useLocalDpi xmlns:a14="http://schemas.microsoft.com/office/drawing/2010/main" val="0"/>
@@ -13517,8 +13899,8 @@
         </p:blipFill>
         <p:spPr>
           <a:xfrm>
-            <a:off x="2910564" y="251184"/>
-            <a:ext cx="6370872" cy="6355631"/>
+            <a:off x="8203120" y="1051433"/>
+            <a:ext cx="1028789" cy="259102"/>
           </a:xfrm>
           <a:prstGeom prst="rect">
             <a:avLst/>
@@ -13528,253 +13910,7 @@
     </p:spTree>
     <p:extLst>
       <p:ext uri="{BB962C8B-B14F-4D97-AF65-F5344CB8AC3E}">
-        <p14:creationId xmlns:p14="http://schemas.microsoft.com/office/powerpoint/2010/main" val="2179152704"/>
-      </p:ext>
-    </p:extLst>
-  </p:cSld>
-  <p:clrMapOvr>
-    <a:masterClrMapping/>
-  </p:clrMapOvr>
-  <mc:AlternateContent xmlns:mc="http://schemas.openxmlformats.org/markup-compatibility/2006" xmlns:p14="http://schemas.microsoft.com/office/powerpoint/2010/main">
-    <mc:Choice Requires="p14">
-      <p:transition spd="slow" p14:dur="2000" advClick="0"/>
-    </mc:Choice>
-    <mc:Fallback xmlns="">
-      <p:transition spd="slow" advClick="0"/>
-    </mc:Fallback>
-  </mc:AlternateContent>
-</p:sld>
-</file>
-
-<file path=ppt/slides/slide25.xml><?xml version="1.0" encoding="utf-8"?>
-<p:sld xmlns:a="http://schemas.openxmlformats.org/drawingml/2006/main" xmlns:r="http://schemas.openxmlformats.org/officeDocument/2006/relationships" xmlns:p="http://schemas.openxmlformats.org/presentationml/2006/main">
-  <p:cSld>
-    <p:bg>
-      <p:bgPr>
-        <a:solidFill>
-          <a:srgbClr val="002060"/>
-        </a:solidFill>
-        <a:effectLst/>
-      </p:bgPr>
-    </p:bg>
-    <p:spTree>
-      <p:nvGrpSpPr>
-        <p:cNvPr id="1" name=""/>
-        <p:cNvGrpSpPr/>
-        <p:nvPr/>
-      </p:nvGrpSpPr>
-      <p:grpSpPr>
-        <a:xfrm>
-          <a:off x="0" y="0"/>
-          <a:ext cx="0" cy="0"/>
-          <a:chOff x="0" y="0"/>
-          <a:chExt cx="0" cy="0"/>
-        </a:xfrm>
-      </p:grpSpPr>
-      <p:pic>
-        <p:nvPicPr>
-          <p:cNvPr id="3" name="Imagen 2">
-            <a:extLst>
-              <a:ext uri="{FF2B5EF4-FFF2-40B4-BE49-F238E27FC236}">
-                <a16:creationId xmlns:a16="http://schemas.microsoft.com/office/drawing/2014/main" id="{3815F717-90DB-4AFF-B4B7-78D76D740EA9}"/>
-              </a:ext>
-            </a:extLst>
-          </p:cNvPr>
-          <p:cNvPicPr>
-            <a:picLocks noChangeAspect="1"/>
-          </p:cNvPicPr>
-          <p:nvPr/>
-        </p:nvPicPr>
-        <p:blipFill>
-          <a:blip r:embed="rId2">
-            <a:extLst>
-              <a:ext uri="{28A0092B-C50C-407E-A947-70E740481C1C}">
-                <a14:useLocalDpi xmlns:a14="http://schemas.microsoft.com/office/drawing/2010/main" val="0"/>
-              </a:ext>
-            </a:extLst>
-          </a:blip>
-          <a:stretch>
-            <a:fillRect/>
-          </a:stretch>
-        </p:blipFill>
-        <p:spPr>
-          <a:xfrm>
-            <a:off x="2910564" y="254995"/>
-            <a:ext cx="6370872" cy="6348010"/>
-          </a:xfrm>
-          <a:prstGeom prst="rect">
-            <a:avLst/>
-          </a:prstGeom>
-        </p:spPr>
-      </p:pic>
-    </p:spTree>
-    <p:extLst>
-      <p:ext uri="{BB962C8B-B14F-4D97-AF65-F5344CB8AC3E}">
-        <p14:creationId xmlns:p14="http://schemas.microsoft.com/office/powerpoint/2010/main" val="1995514002"/>
-      </p:ext>
-    </p:extLst>
-  </p:cSld>
-  <p:clrMapOvr>
-    <a:masterClrMapping/>
-  </p:clrMapOvr>
-  <mc:AlternateContent xmlns:mc="http://schemas.openxmlformats.org/markup-compatibility/2006" xmlns:p14="http://schemas.microsoft.com/office/powerpoint/2010/main">
-    <mc:Choice Requires="p14">
-      <p:transition spd="slow" p14:dur="2000" advClick="0"/>
-    </mc:Choice>
-    <mc:Fallback xmlns="">
-      <p:transition spd="slow" advClick="0"/>
-    </mc:Fallback>
-  </mc:AlternateContent>
-</p:sld>
-</file>
-
-<file path=ppt/slides/slide26.xml><?xml version="1.0" encoding="utf-8"?>
-<p:sld xmlns:a="http://schemas.openxmlformats.org/drawingml/2006/main" xmlns:r="http://schemas.openxmlformats.org/officeDocument/2006/relationships" xmlns:p="http://schemas.openxmlformats.org/presentationml/2006/main">
-  <p:cSld>
-    <p:bg>
-      <p:bgPr>
-        <a:solidFill>
-          <a:srgbClr val="002060"/>
-        </a:solidFill>
-        <a:effectLst/>
-      </p:bgPr>
-    </p:bg>
-    <p:spTree>
-      <p:nvGrpSpPr>
-        <p:cNvPr id="1" name=""/>
-        <p:cNvGrpSpPr/>
-        <p:nvPr/>
-      </p:nvGrpSpPr>
-      <p:grpSpPr>
-        <a:xfrm>
-          <a:off x="0" y="0"/>
-          <a:ext cx="0" cy="0"/>
-          <a:chOff x="0" y="0"/>
-          <a:chExt cx="0" cy="0"/>
-        </a:xfrm>
-      </p:grpSpPr>
-      <p:pic>
-        <p:nvPicPr>
-          <p:cNvPr id="3" name="Imagen 2">
-            <a:extLst>
-              <a:ext uri="{FF2B5EF4-FFF2-40B4-BE49-F238E27FC236}">
-                <a16:creationId xmlns:a16="http://schemas.microsoft.com/office/drawing/2014/main" id="{8F4194CD-A328-40F1-A0F4-2161E82D1D2B}"/>
-              </a:ext>
-            </a:extLst>
-          </p:cNvPr>
-          <p:cNvPicPr>
-            <a:picLocks noChangeAspect="1"/>
-          </p:cNvPicPr>
-          <p:nvPr/>
-        </p:nvPicPr>
-        <p:blipFill>
-          <a:blip r:embed="rId2">
-            <a:extLst>
-              <a:ext uri="{28A0092B-C50C-407E-A947-70E740481C1C}">
-                <a14:useLocalDpi xmlns:a14="http://schemas.microsoft.com/office/drawing/2010/main" val="0"/>
-              </a:ext>
-            </a:extLst>
-          </a:blip>
-          <a:stretch>
-            <a:fillRect/>
-          </a:stretch>
-        </p:blipFill>
-        <p:spPr>
-          <a:xfrm>
-            <a:off x="2918184" y="251184"/>
-            <a:ext cx="6355631" cy="6355631"/>
-          </a:xfrm>
-          <a:prstGeom prst="rect">
-            <a:avLst/>
-          </a:prstGeom>
-        </p:spPr>
-      </p:pic>
-    </p:spTree>
-    <p:extLst>
-      <p:ext uri="{BB962C8B-B14F-4D97-AF65-F5344CB8AC3E}">
-        <p14:creationId xmlns:p14="http://schemas.microsoft.com/office/powerpoint/2010/main" val="1750921214"/>
-      </p:ext>
-    </p:extLst>
-  </p:cSld>
-  <p:clrMapOvr>
-    <a:masterClrMapping/>
-  </p:clrMapOvr>
-  <mc:AlternateContent xmlns:mc="http://schemas.openxmlformats.org/markup-compatibility/2006" xmlns:p14="http://schemas.microsoft.com/office/powerpoint/2010/main">
-    <mc:Choice Requires="p14">
-      <p:transition spd="slow" p14:dur="2000" advClick="0"/>
-    </mc:Choice>
-    <mc:Fallback xmlns="">
-      <p:transition spd="slow" advClick="0"/>
-    </mc:Fallback>
-  </mc:AlternateContent>
-</p:sld>
-</file>
-
-<file path=ppt/slides/slide27.xml><?xml version="1.0" encoding="utf-8"?>
-<p:sld xmlns:a="http://schemas.openxmlformats.org/drawingml/2006/main" xmlns:r="http://schemas.openxmlformats.org/officeDocument/2006/relationships" xmlns:p="http://schemas.openxmlformats.org/presentationml/2006/main">
-  <p:cSld>
-    <p:bg>
-      <p:bgPr>
-        <a:solidFill>
-          <a:srgbClr val="002060"/>
-        </a:solidFill>
-        <a:effectLst/>
-      </p:bgPr>
-    </p:bg>
-    <p:spTree>
-      <p:nvGrpSpPr>
-        <p:cNvPr id="1" name=""/>
-        <p:cNvGrpSpPr/>
-        <p:nvPr/>
-      </p:nvGrpSpPr>
-      <p:grpSpPr>
-        <a:xfrm>
-          <a:off x="0" y="0"/>
-          <a:ext cx="0" cy="0"/>
-          <a:chOff x="0" y="0"/>
-          <a:chExt cx="0" cy="0"/>
-        </a:xfrm>
-      </p:grpSpPr>
-      <p:pic>
-        <p:nvPicPr>
-          <p:cNvPr id="3" name="Imagen 2">
-            <a:extLst>
-              <a:ext uri="{FF2B5EF4-FFF2-40B4-BE49-F238E27FC236}">
-                <a16:creationId xmlns:a16="http://schemas.microsoft.com/office/drawing/2014/main" id="{4E53DB3E-BD1A-479D-BCE8-FD4267E17F54}"/>
-              </a:ext>
-            </a:extLst>
-          </p:cNvPr>
-          <p:cNvPicPr>
-            <a:picLocks noChangeAspect="1"/>
-          </p:cNvPicPr>
-          <p:nvPr/>
-        </p:nvPicPr>
-        <p:blipFill>
-          <a:blip r:embed="rId2">
-            <a:extLst>
-              <a:ext uri="{28A0092B-C50C-407E-A947-70E740481C1C}">
-                <a14:useLocalDpi xmlns:a14="http://schemas.microsoft.com/office/drawing/2010/main" val="0"/>
-              </a:ext>
-            </a:extLst>
-          </a:blip>
-          <a:stretch>
-            <a:fillRect/>
-          </a:stretch>
-        </p:blipFill>
-        <p:spPr>
-          <a:xfrm>
-            <a:off x="2918184" y="266426"/>
-            <a:ext cx="6355631" cy="6325148"/>
-          </a:xfrm>
-          <a:prstGeom prst="rect">
-            <a:avLst/>
-          </a:prstGeom>
-        </p:spPr>
-      </p:pic>
-    </p:spTree>
-    <p:extLst>
-      <p:ext uri="{BB962C8B-B14F-4D97-AF65-F5344CB8AC3E}">
-        <p14:creationId xmlns:p14="http://schemas.microsoft.com/office/powerpoint/2010/main" val="3594047531"/>
+        <p14:creationId xmlns:p14="http://schemas.microsoft.com/office/powerpoint/2010/main" val="1752143681"/>
       </p:ext>
     </p:extLst>
   </p:cSld>
@@ -14458,6 +14594,42 @@
           </a:p>
         </p:txBody>
       </p:sp>
+      <p:pic>
+        <p:nvPicPr>
+          <p:cNvPr id="16" name="Imagen 15">
+            <a:extLst>
+              <a:ext uri="{FF2B5EF4-FFF2-40B4-BE49-F238E27FC236}">
+                <a16:creationId xmlns:a16="http://schemas.microsoft.com/office/drawing/2014/main" id="{071F1E54-AA79-48CC-A9ED-A1A1C4A951BD}"/>
+              </a:ext>
+            </a:extLst>
+          </p:cNvPr>
+          <p:cNvPicPr>
+            <a:picLocks noChangeAspect="1"/>
+          </p:cNvPicPr>
+          <p:nvPr/>
+        </p:nvPicPr>
+        <p:blipFill>
+          <a:blip r:embed="rId12">
+            <a:extLst>
+              <a:ext uri="{28A0092B-C50C-407E-A947-70E740481C1C}">
+                <a14:useLocalDpi xmlns:a14="http://schemas.microsoft.com/office/drawing/2010/main" val="0"/>
+              </a:ext>
+            </a:extLst>
+          </a:blip>
+          <a:stretch>
+            <a:fillRect/>
+          </a:stretch>
+        </p:blipFill>
+        <p:spPr>
+          <a:xfrm>
+            <a:off x="8203120" y="1051433"/>
+            <a:ext cx="1028789" cy="259102"/>
+          </a:xfrm>
+          <a:prstGeom prst="rect">
+            <a:avLst/>
+          </a:prstGeom>
+        </p:spPr>
+      </p:pic>
     </p:spTree>
     <p:extLst>
       <p:ext uri="{BB962C8B-B14F-4D97-AF65-F5344CB8AC3E}">
@@ -15093,7 +15265,7 @@
       <p:sp>
         <p:nvSpPr>
           <p:cNvPr id="15" name="Rectángulo 14">
-            <a:hlinkClick r:id="rId10" action="ppaction://hlinksldjump"/>
+            <a:hlinkClick r:id="" action="ppaction://noaction"/>
             <a:extLst>
               <a:ext uri="{FF2B5EF4-FFF2-40B4-BE49-F238E27FC236}">
                 <a16:creationId xmlns:a16="http://schemas.microsoft.com/office/drawing/2014/main" id="{4A3F9017-2961-4369-B18D-66A1006238B2}"/>
@@ -15148,7 +15320,7 @@
       <p:sp>
         <p:nvSpPr>
           <p:cNvPr id="16" name="Rectángulo 15">
-            <a:hlinkClick r:id="rId11" action="ppaction://hlinksldjump"/>
+            <a:hlinkClick r:id="rId10" action="ppaction://hlinksldjump"/>
             <a:extLst>
               <a:ext uri="{FF2B5EF4-FFF2-40B4-BE49-F238E27FC236}">
                 <a16:creationId xmlns:a16="http://schemas.microsoft.com/office/drawing/2014/main" id="{CD78F717-EA2C-43B6-9DD6-CC08410F59C1}"/>
@@ -15200,6 +15372,78 @@
           </a:p>
         </p:txBody>
       </p:sp>
+      <p:pic>
+        <p:nvPicPr>
+          <p:cNvPr id="17" name="Imagen 16">
+            <a:extLst>
+              <a:ext uri="{FF2B5EF4-FFF2-40B4-BE49-F238E27FC236}">
+                <a16:creationId xmlns:a16="http://schemas.microsoft.com/office/drawing/2014/main" id="{A3DFD955-0D37-4DE4-A64F-F4CF6D62FE0C}"/>
+              </a:ext>
+            </a:extLst>
+          </p:cNvPr>
+          <p:cNvPicPr>
+            <a:picLocks noChangeAspect="1"/>
+          </p:cNvPicPr>
+          <p:nvPr/>
+        </p:nvPicPr>
+        <p:blipFill>
+          <a:blip r:embed="rId11">
+            <a:extLst>
+              <a:ext uri="{28A0092B-C50C-407E-A947-70E740481C1C}">
+                <a14:useLocalDpi xmlns:a14="http://schemas.microsoft.com/office/drawing/2010/main" val="0"/>
+              </a:ext>
+            </a:extLst>
+          </a:blip>
+          <a:stretch>
+            <a:fillRect/>
+          </a:stretch>
+        </p:blipFill>
+        <p:spPr>
+          <a:xfrm>
+            <a:off x="8203120" y="1051433"/>
+            <a:ext cx="1028789" cy="259102"/>
+          </a:xfrm>
+          <a:prstGeom prst="rect">
+            <a:avLst/>
+          </a:prstGeom>
+        </p:spPr>
+      </p:pic>
+      <p:pic>
+        <p:nvPicPr>
+          <p:cNvPr id="4" name="Imagen 3">
+            <a:extLst>
+              <a:ext uri="{FF2B5EF4-FFF2-40B4-BE49-F238E27FC236}">
+                <a16:creationId xmlns:a16="http://schemas.microsoft.com/office/drawing/2014/main" id="{DDAA35AA-25B6-43E4-9BE8-D660FEF1A57E}"/>
+              </a:ext>
+            </a:extLst>
+          </p:cNvPr>
+          <p:cNvPicPr>
+            <a:picLocks noChangeAspect="1"/>
+          </p:cNvPicPr>
+          <p:nvPr/>
+        </p:nvPicPr>
+        <p:blipFill>
+          <a:blip r:embed="rId12">
+            <a:extLst>
+              <a:ext uri="{28A0092B-C50C-407E-A947-70E740481C1C}">
+                <a14:useLocalDpi xmlns:a14="http://schemas.microsoft.com/office/drawing/2010/main" val="0"/>
+              </a:ext>
+            </a:extLst>
+          </a:blip>
+          <a:stretch>
+            <a:fillRect/>
+          </a:stretch>
+        </p:blipFill>
+        <p:spPr>
+          <a:xfrm>
+            <a:off x="8168819" y="1333862"/>
+            <a:ext cx="1104996" cy="382971"/>
+          </a:xfrm>
+          <a:prstGeom prst="rect">
+            <a:avLst/>
+          </a:prstGeom>
+        </p:spPr>
+      </p:pic>
     </p:spTree>
     <p:extLst>
       <p:ext uri="{BB962C8B-B14F-4D97-AF65-F5344CB8AC3E}">
@@ -15887,6 +16131,42 @@
           </a:p>
         </p:txBody>
       </p:sp>
+      <p:pic>
+        <p:nvPicPr>
+          <p:cNvPr id="16" name="Imagen 15">
+            <a:extLst>
+              <a:ext uri="{FF2B5EF4-FFF2-40B4-BE49-F238E27FC236}">
+                <a16:creationId xmlns:a16="http://schemas.microsoft.com/office/drawing/2014/main" id="{FBFAA2ED-8D44-4102-A11E-ABEBC1E09726}"/>
+              </a:ext>
+            </a:extLst>
+          </p:cNvPr>
+          <p:cNvPicPr>
+            <a:picLocks noChangeAspect="1"/>
+          </p:cNvPicPr>
+          <p:nvPr/>
+        </p:nvPicPr>
+        <p:blipFill>
+          <a:blip r:embed="rId11">
+            <a:extLst>
+              <a:ext uri="{28A0092B-C50C-407E-A947-70E740481C1C}">
+                <a14:useLocalDpi xmlns:a14="http://schemas.microsoft.com/office/drawing/2010/main" val="0"/>
+              </a:ext>
+            </a:extLst>
+          </a:blip>
+          <a:stretch>
+            <a:fillRect/>
+          </a:stretch>
+        </p:blipFill>
+        <p:spPr>
+          <a:xfrm>
+            <a:off x="8203120" y="1051433"/>
+            <a:ext cx="1028789" cy="259102"/>
+          </a:xfrm>
+          <a:prstGeom prst="rect">
+            <a:avLst/>
+          </a:prstGeom>
+        </p:spPr>
+      </p:pic>
     </p:spTree>
     <p:extLst>
       <p:ext uri="{BB962C8B-B14F-4D97-AF65-F5344CB8AC3E}">
@@ -17151,6 +17431,42 @@
           </a:p>
         </p:txBody>
       </p:sp>
+      <p:pic>
+        <p:nvPicPr>
+          <p:cNvPr id="13" name="Imagen 12">
+            <a:extLst>
+              <a:ext uri="{FF2B5EF4-FFF2-40B4-BE49-F238E27FC236}">
+                <a16:creationId xmlns:a16="http://schemas.microsoft.com/office/drawing/2014/main" id="{B8FD51C9-5BC6-4AD1-8B9C-9B1FA5AA8349}"/>
+              </a:ext>
+            </a:extLst>
+          </p:cNvPr>
+          <p:cNvPicPr>
+            <a:picLocks noChangeAspect="1"/>
+          </p:cNvPicPr>
+          <p:nvPr/>
+        </p:nvPicPr>
+        <p:blipFill>
+          <a:blip r:embed="rId11">
+            <a:extLst>
+              <a:ext uri="{28A0092B-C50C-407E-A947-70E740481C1C}">
+                <a14:useLocalDpi xmlns:a14="http://schemas.microsoft.com/office/drawing/2010/main" val="0"/>
+              </a:ext>
+            </a:extLst>
+          </a:blip>
+          <a:stretch>
+            <a:fillRect/>
+          </a:stretch>
+        </p:blipFill>
+        <p:spPr>
+          <a:xfrm>
+            <a:off x="8203120" y="1051433"/>
+            <a:ext cx="1028789" cy="259102"/>
+          </a:xfrm>
+          <a:prstGeom prst="rect">
+            <a:avLst/>
+          </a:prstGeom>
+        </p:spPr>
+      </p:pic>
     </p:spTree>
     <p:extLst>
       <p:ext uri="{BB962C8B-B14F-4D97-AF65-F5344CB8AC3E}">
@@ -17676,7 +17992,7 @@
       <p:sp>
         <p:nvSpPr>
           <p:cNvPr id="17" name="Rectángulo 16">
-            <a:hlinkClick r:id="rId8" action="ppaction://hlinksldjump"/>
+            <a:hlinkClick r:id="" action="ppaction://noaction"/>
             <a:extLst>
               <a:ext uri="{FF2B5EF4-FFF2-40B4-BE49-F238E27FC236}">
                 <a16:creationId xmlns:a16="http://schemas.microsoft.com/office/drawing/2014/main" id="{B337DCD3-1FF4-43CC-8662-17A161585B9D}"/>
@@ -17731,7 +18047,7 @@
       <p:sp>
         <p:nvSpPr>
           <p:cNvPr id="18" name="Rectángulo 17">
-            <a:hlinkClick r:id="rId9" action="ppaction://hlinksldjump"/>
+            <a:hlinkClick r:id="rId8" action="ppaction://hlinksldjump"/>
             <a:extLst>
               <a:ext uri="{FF2B5EF4-FFF2-40B4-BE49-F238E27FC236}">
                 <a16:creationId xmlns:a16="http://schemas.microsoft.com/office/drawing/2014/main" id="{9A2F42CB-B944-456C-B1AF-B139E9EA0F4D}"/>
@@ -17786,7 +18102,7 @@
       <p:sp>
         <p:nvSpPr>
           <p:cNvPr id="19" name="Rectángulo 18">
-            <a:hlinkClick r:id="rId10" action="ppaction://hlinksldjump"/>
+            <a:hlinkClick r:id="rId9" action="ppaction://hlinksldjump"/>
             <a:extLst>
               <a:ext uri="{FF2B5EF4-FFF2-40B4-BE49-F238E27FC236}">
                 <a16:creationId xmlns:a16="http://schemas.microsoft.com/office/drawing/2014/main" id="{5930758A-F289-4D96-819D-CECF72D98ECA}"/>
@@ -17838,6 +18154,78 @@
           </a:p>
         </p:txBody>
       </p:sp>
+      <p:pic>
+        <p:nvPicPr>
+          <p:cNvPr id="16" name="Imagen 15">
+            <a:extLst>
+              <a:ext uri="{FF2B5EF4-FFF2-40B4-BE49-F238E27FC236}">
+                <a16:creationId xmlns:a16="http://schemas.microsoft.com/office/drawing/2014/main" id="{9356BD4A-D482-4877-960E-EDCBCFF15847}"/>
+              </a:ext>
+            </a:extLst>
+          </p:cNvPr>
+          <p:cNvPicPr>
+            <a:picLocks noChangeAspect="1"/>
+          </p:cNvPicPr>
+          <p:nvPr/>
+        </p:nvPicPr>
+        <p:blipFill>
+          <a:blip r:embed="rId10">
+            <a:extLst>
+              <a:ext uri="{28A0092B-C50C-407E-A947-70E740481C1C}">
+                <a14:useLocalDpi xmlns:a14="http://schemas.microsoft.com/office/drawing/2010/main" val="0"/>
+              </a:ext>
+            </a:extLst>
+          </a:blip>
+          <a:stretch>
+            <a:fillRect/>
+          </a:stretch>
+        </p:blipFill>
+        <p:spPr>
+          <a:xfrm>
+            <a:off x="8203120" y="1051433"/>
+            <a:ext cx="1028789" cy="259102"/>
+          </a:xfrm>
+          <a:prstGeom prst="rect">
+            <a:avLst/>
+          </a:prstGeom>
+        </p:spPr>
+      </p:pic>
+      <p:pic>
+        <p:nvPicPr>
+          <p:cNvPr id="20" name="Imagen 19">
+            <a:extLst>
+              <a:ext uri="{FF2B5EF4-FFF2-40B4-BE49-F238E27FC236}">
+                <a16:creationId xmlns:a16="http://schemas.microsoft.com/office/drawing/2014/main" id="{334C4762-A46A-4F57-B4A1-C36CC0B022FB}"/>
+              </a:ext>
+            </a:extLst>
+          </p:cNvPr>
+          <p:cNvPicPr>
+            <a:picLocks noChangeAspect="1"/>
+          </p:cNvPicPr>
+          <p:nvPr/>
+        </p:nvPicPr>
+        <p:blipFill>
+          <a:blip r:embed="rId11">
+            <a:extLst>
+              <a:ext uri="{28A0092B-C50C-407E-A947-70E740481C1C}">
+                <a14:useLocalDpi xmlns:a14="http://schemas.microsoft.com/office/drawing/2010/main" val="0"/>
+              </a:ext>
+            </a:extLst>
+          </a:blip>
+          <a:stretch>
+            <a:fillRect/>
+          </a:stretch>
+        </p:blipFill>
+        <p:spPr>
+          <a:xfrm>
+            <a:off x="8245025" y="1333862"/>
+            <a:ext cx="1028790" cy="382971"/>
+          </a:xfrm>
+          <a:prstGeom prst="rect">
+            <a:avLst/>
+          </a:prstGeom>
+        </p:spPr>
+      </p:pic>
     </p:spTree>
     <p:extLst>
       <p:ext uri="{BB962C8B-B14F-4D97-AF65-F5344CB8AC3E}">
